--- a/media/Diagrams.pptx
+++ b/media/Diagrams.pptx
@@ -6,7 +6,8 @@
   </p:sldMasterIdLst>
   <p:sldIdLst>
     <p:sldId id="256" r:id="rId2"/>
-    <p:sldId id="257" r:id="rId3"/>
+    <p:sldId id="258" r:id="rId3"/>
+    <p:sldId id="257" r:id="rId4"/>
   </p:sldIdLst>
   <p:sldSz cx="12192000" cy="6858000"/>
   <p:notesSz cx="6858000" cy="9144000"/>
@@ -105,6 +106,11 @@
       </a:defRPr>
     </a:lvl9pPr>
   </p:defaultTextStyle>
+  <p:extLst>
+    <p:ext uri="{EFAFB233-063F-42B5-8137-9DF3F51BA10A}">
+      <p15:sldGuideLst xmlns:p15="http://schemas.microsoft.com/office/powerpoint/2012/main"/>
+    </p:ext>
+  </p:extLst>
 </p:presentation>
 </file>
 
@@ -255,7 +261,7 @@
           <a:p>
             <a:fld id="{C4B10357-8931-4CED-A2C3-C68F99377AEE}" type="datetimeFigureOut">
               <a:rPr lang="en-US" smtClean="0"/>
-              <a:t>9/22/2020</a:t>
+              <a:t>5/5/2021</a:t>
             </a:fld>
             <a:endParaRPr lang="en-US"/>
           </a:p>
@@ -453,7 +459,7 @@
           <a:p>
             <a:fld id="{C4B10357-8931-4CED-A2C3-C68F99377AEE}" type="datetimeFigureOut">
               <a:rPr lang="en-US" smtClean="0"/>
-              <a:t>9/22/2020</a:t>
+              <a:t>5/5/2021</a:t>
             </a:fld>
             <a:endParaRPr lang="en-US"/>
           </a:p>
@@ -661,7 +667,7 @@
           <a:p>
             <a:fld id="{C4B10357-8931-4CED-A2C3-C68F99377AEE}" type="datetimeFigureOut">
               <a:rPr lang="en-US" smtClean="0"/>
-              <a:t>9/22/2020</a:t>
+              <a:t>5/5/2021</a:t>
             </a:fld>
             <a:endParaRPr lang="en-US"/>
           </a:p>
@@ -859,7 +865,7 @@
           <a:p>
             <a:fld id="{C4B10357-8931-4CED-A2C3-C68F99377AEE}" type="datetimeFigureOut">
               <a:rPr lang="en-US" smtClean="0"/>
-              <a:t>9/22/2020</a:t>
+              <a:t>5/5/2021</a:t>
             </a:fld>
             <a:endParaRPr lang="en-US"/>
           </a:p>
@@ -1134,7 +1140,7 @@
           <a:p>
             <a:fld id="{C4B10357-8931-4CED-A2C3-C68F99377AEE}" type="datetimeFigureOut">
               <a:rPr lang="en-US" smtClean="0"/>
-              <a:t>9/22/2020</a:t>
+              <a:t>5/5/2021</a:t>
             </a:fld>
             <a:endParaRPr lang="en-US"/>
           </a:p>
@@ -1399,7 +1405,7 @@
           <a:p>
             <a:fld id="{C4B10357-8931-4CED-A2C3-C68F99377AEE}" type="datetimeFigureOut">
               <a:rPr lang="en-US" smtClean="0"/>
-              <a:t>9/22/2020</a:t>
+              <a:t>5/5/2021</a:t>
             </a:fld>
             <a:endParaRPr lang="en-US"/>
           </a:p>
@@ -1811,7 +1817,7 @@
           <a:p>
             <a:fld id="{C4B10357-8931-4CED-A2C3-C68F99377AEE}" type="datetimeFigureOut">
               <a:rPr lang="en-US" smtClean="0"/>
-              <a:t>9/22/2020</a:t>
+              <a:t>5/5/2021</a:t>
             </a:fld>
             <a:endParaRPr lang="en-US"/>
           </a:p>
@@ -1952,7 +1958,7 @@
           <a:p>
             <a:fld id="{C4B10357-8931-4CED-A2C3-C68F99377AEE}" type="datetimeFigureOut">
               <a:rPr lang="en-US" smtClean="0"/>
-              <a:t>9/22/2020</a:t>
+              <a:t>5/5/2021</a:t>
             </a:fld>
             <a:endParaRPr lang="en-US"/>
           </a:p>
@@ -2065,7 +2071,7 @@
           <a:p>
             <a:fld id="{C4B10357-8931-4CED-A2C3-C68F99377AEE}" type="datetimeFigureOut">
               <a:rPr lang="en-US" smtClean="0"/>
-              <a:t>9/22/2020</a:t>
+              <a:t>5/5/2021</a:t>
             </a:fld>
             <a:endParaRPr lang="en-US"/>
           </a:p>
@@ -2376,7 +2382,7 @@
           <a:p>
             <a:fld id="{C4B10357-8931-4CED-A2C3-C68F99377AEE}" type="datetimeFigureOut">
               <a:rPr lang="en-US" smtClean="0"/>
-              <a:t>9/22/2020</a:t>
+              <a:t>5/5/2021</a:t>
             </a:fld>
             <a:endParaRPr lang="en-US"/>
           </a:p>
@@ -2664,7 +2670,7 @@
           <a:p>
             <a:fld id="{C4B10357-8931-4CED-A2C3-C68F99377AEE}" type="datetimeFigureOut">
               <a:rPr lang="en-US" smtClean="0"/>
-              <a:t>9/22/2020</a:t>
+              <a:t>5/5/2021</a:t>
             </a:fld>
             <a:endParaRPr lang="en-US"/>
           </a:p>
@@ -2905,7 +2911,7 @@
           <a:p>
             <a:fld id="{C4B10357-8931-4CED-A2C3-C68F99377AEE}" type="datetimeFigureOut">
               <a:rPr lang="en-US" smtClean="0"/>
-              <a:t>9/22/2020</a:t>
+              <a:t>5/5/2021</a:t>
             </a:fld>
             <a:endParaRPr lang="en-US"/>
           </a:p>
@@ -4562,119 +4568,6 @@
       </p:pic>
       <p:pic>
         <p:nvPicPr>
-          <p:cNvPr id="69" name="Graphic 68">
-            <a:extLst>
-              <a:ext uri="{FF2B5EF4-FFF2-40B4-BE49-F238E27FC236}">
-                <a16:creationId xmlns:a16="http://schemas.microsoft.com/office/drawing/2014/main" id="{0F7889B0-9283-458F-91AD-5845FA27481C}"/>
-              </a:ext>
-            </a:extLst>
-          </p:cNvPr>
-          <p:cNvPicPr>
-            <a:picLocks noChangeAspect="1"/>
-          </p:cNvPicPr>
-          <p:nvPr/>
-        </p:nvPicPr>
-        <p:blipFill>
-          <a:blip r:embed="rId14">
-            <a:extLst>
-              <a:ext uri="{28A0092B-C50C-407E-A947-70E740481C1C}">
-                <a14:useLocalDpi xmlns:a14="http://schemas.microsoft.com/office/drawing/2010/main" val="0"/>
-              </a:ext>
-              <a:ext uri="{96DAC541-7B7A-43D3-8B79-37D633B846F1}">
-                <asvg:svgBlip xmlns:asvg="http://schemas.microsoft.com/office/drawing/2016/SVG/main" r:embed="rId15"/>
-              </a:ext>
-            </a:extLst>
-          </a:blip>
-          <a:stretch>
-            <a:fillRect/>
-          </a:stretch>
-        </p:blipFill>
-        <p:spPr>
-          <a:xfrm>
-            <a:off x="1431647" y="3803282"/>
-            <a:ext cx="291186" cy="383139"/>
-          </a:xfrm>
-          <a:prstGeom prst="rect">
-            <a:avLst/>
-          </a:prstGeom>
-        </p:spPr>
-      </p:pic>
-      <p:sp>
-        <p:nvSpPr>
-          <p:cNvPr id="70" name="TextBox 69">
-            <a:extLst>
-              <a:ext uri="{FF2B5EF4-FFF2-40B4-BE49-F238E27FC236}">
-                <a16:creationId xmlns:a16="http://schemas.microsoft.com/office/drawing/2014/main" id="{BE1211D3-BEC6-4D32-9291-CC46EEA0B8B4}"/>
-              </a:ext>
-            </a:extLst>
-          </p:cNvPr>
-          <p:cNvSpPr txBox="1"/>
-          <p:nvPr/>
-        </p:nvSpPr>
-        <p:spPr>
-          <a:xfrm>
-            <a:off x="62801" y="3624770"/>
-            <a:ext cx="992206" cy="523220"/>
-          </a:xfrm>
-          <a:prstGeom prst="rect">
-            <a:avLst/>
-          </a:prstGeom>
-          <a:noFill/>
-        </p:spPr>
-        <p:txBody>
-          <a:bodyPr wrap="square" rtlCol="0">
-            <a:spAutoFit/>
-          </a:bodyPr>
-          <a:lstStyle/>
-          <a:p>
-            <a:r>
-              <a:rPr lang="en-US" sz="1400" dirty="0"/>
-              <a:t>Managed identity</a:t>
-            </a:r>
-          </a:p>
-        </p:txBody>
-      </p:sp>
-      <p:cxnSp>
-        <p:nvCxnSpPr>
-          <p:cNvPr id="72" name="Straight Arrow Connector 71">
-            <a:extLst>
-              <a:ext uri="{FF2B5EF4-FFF2-40B4-BE49-F238E27FC236}">
-                <a16:creationId xmlns:a16="http://schemas.microsoft.com/office/drawing/2014/main" id="{5791ADED-0B1A-448A-9D32-1238F56F50AC}"/>
-              </a:ext>
-            </a:extLst>
-          </p:cNvPr>
-          <p:cNvCxnSpPr/>
-          <p:nvPr/>
-        </p:nvCxnSpPr>
-        <p:spPr>
-          <a:xfrm>
-            <a:off x="788657" y="3981835"/>
-            <a:ext cx="632110" cy="0"/>
-          </a:xfrm>
-          <a:prstGeom prst="straightConnector1">
-            <a:avLst/>
-          </a:prstGeom>
-          <a:ln>
-            <a:tailEnd type="triangle"/>
-          </a:ln>
-        </p:spPr>
-        <p:style>
-          <a:lnRef idx="3">
-            <a:schemeClr val="dk1"/>
-          </a:lnRef>
-          <a:fillRef idx="0">
-            <a:schemeClr val="dk1"/>
-          </a:fillRef>
-          <a:effectRef idx="2">
-            <a:schemeClr val="dk1"/>
-          </a:effectRef>
-          <a:fontRef idx="minor">
-            <a:schemeClr val="tx1"/>
-          </a:fontRef>
-        </p:style>
-      </p:cxnSp>
-      <p:pic>
-        <p:nvPicPr>
           <p:cNvPr id="74" name="Graphic 73" descr="User">
             <a:extLst>
               <a:ext uri="{FF2B5EF4-FFF2-40B4-BE49-F238E27FC236}">
@@ -4818,10 +4711,10 @@
       </p:grpSpPr>
       <p:sp>
         <p:nvSpPr>
-          <p:cNvPr id="6" name="Rectangle 5">
-            <a:extLst>
-              <a:ext uri="{FF2B5EF4-FFF2-40B4-BE49-F238E27FC236}">
-                <a16:creationId xmlns:a16="http://schemas.microsoft.com/office/drawing/2014/main" id="{B6DB9E11-7F4E-4621-B5B4-E33D2416EC77}"/>
+          <p:cNvPr id="4" name="Rectangle: Rounded Corners 3">
+            <a:extLst>
+              <a:ext uri="{FF2B5EF4-FFF2-40B4-BE49-F238E27FC236}">
+                <a16:creationId xmlns:a16="http://schemas.microsoft.com/office/drawing/2014/main" id="{2A7C9E04-8CC1-4950-88E3-2BB3A7D0C241}"/>
               </a:ext>
             </a:extLst>
           </p:cNvPr>
@@ -4830,10 +4723,10 @@
         </p:nvSpPr>
         <p:spPr>
           <a:xfrm>
-            <a:off x="4743081" y="448351"/>
-            <a:ext cx="1640021" cy="1032387"/>
-          </a:xfrm>
-          <a:prstGeom prst="rect">
+            <a:off x="981075" y="1571624"/>
+            <a:ext cx="3382378" cy="3778417"/>
+          </a:xfrm>
+          <a:prstGeom prst="roundRect">
             <a:avLst/>
           </a:prstGeom>
         </p:spPr>
@@ -4852,23 +4745,117 @@
           </a:fontRef>
         </p:style>
         <p:txBody>
+          <a:bodyPr rtlCol="0" anchor="b" anchorCtr="1"/>
+          <a:lstStyle/>
+          <a:p>
+            <a:pPr algn="ctr"/>
+            <a:r>
+              <a:rPr lang="en-US" dirty="0"/>
+              <a:t>Customer Azure subscription</a:t>
+            </a:r>
+          </a:p>
+        </p:txBody>
+      </p:sp>
+      <p:sp>
+        <p:nvSpPr>
+          <p:cNvPr id="6" name="Rectangle: Rounded Corners 5">
+            <a:extLst>
+              <a:ext uri="{FF2B5EF4-FFF2-40B4-BE49-F238E27FC236}">
+                <a16:creationId xmlns:a16="http://schemas.microsoft.com/office/drawing/2014/main" id="{9E5F4FC6-0DBC-4F6D-8264-E288128F07B2}"/>
+              </a:ext>
+            </a:extLst>
+          </p:cNvPr>
+          <p:cNvSpPr/>
+          <p:nvPr/>
+        </p:nvSpPr>
+        <p:spPr>
+          <a:xfrm>
+            <a:off x="5056546" y="1571624"/>
+            <a:ext cx="2624414" cy="2074178"/>
+          </a:xfrm>
+          <a:prstGeom prst="roundRect">
+            <a:avLst/>
+          </a:prstGeom>
+        </p:spPr>
+        <p:style>
+          <a:lnRef idx="2">
+            <a:schemeClr val="dk1"/>
+          </a:lnRef>
+          <a:fillRef idx="1">
+            <a:schemeClr val="lt1"/>
+          </a:fillRef>
+          <a:effectRef idx="0">
+            <a:schemeClr val="dk1"/>
+          </a:effectRef>
+          <a:fontRef idx="minor">
+            <a:schemeClr val="dk1"/>
+          </a:fontRef>
+        </p:style>
+        <p:txBody>
+          <a:bodyPr rtlCol="0" anchor="b" anchorCtr="1"/>
+          <a:lstStyle/>
+          <a:p>
+            <a:pPr algn="ctr"/>
+            <a:r>
+              <a:rPr lang="en-US" dirty="0"/>
+              <a:t>Azure marketplace</a:t>
+            </a:r>
+          </a:p>
+        </p:txBody>
+      </p:sp>
+      <p:sp>
+        <p:nvSpPr>
+          <p:cNvPr id="7" name="Rectangle 6">
+            <a:extLst>
+              <a:ext uri="{FF2B5EF4-FFF2-40B4-BE49-F238E27FC236}">
+                <a16:creationId xmlns:a16="http://schemas.microsoft.com/office/drawing/2014/main" id="{001DCB0C-74D5-4658-8B1C-D51AAE176186}"/>
+              </a:ext>
+            </a:extLst>
+          </p:cNvPr>
+          <p:cNvSpPr/>
+          <p:nvPr/>
+        </p:nvSpPr>
+        <p:spPr>
+          <a:xfrm>
+            <a:off x="5539494" y="1811102"/>
+            <a:ext cx="1640021" cy="1032387"/>
+          </a:xfrm>
+          <a:prstGeom prst="rect">
+            <a:avLst/>
+          </a:prstGeom>
+        </p:spPr>
+        <p:style>
+          <a:lnRef idx="2">
+            <a:schemeClr val="dk1"/>
+          </a:lnRef>
+          <a:fillRef idx="1">
+            <a:schemeClr val="lt1"/>
+          </a:fillRef>
+          <a:effectRef idx="0">
+            <a:schemeClr val="dk1"/>
+          </a:effectRef>
+          <a:fontRef idx="minor">
+            <a:schemeClr val="dk1"/>
+          </a:fontRef>
+        </p:style>
+        <p:txBody>
           <a:bodyPr rtlCol="0" anchor="ctr"/>
           <a:lstStyle/>
           <a:p>
             <a:pPr algn="ctr"/>
             <a:r>
               <a:rPr lang="en-US" sz="1400" dirty="0"/>
-              <a:t>Commercial Marketplace</a:t>
-            </a:r>
-          </a:p>
-        </p:txBody>
-      </p:sp>
-      <p:sp>
-        <p:nvSpPr>
-          <p:cNvPr id="7" name="TextBox 6">
-            <a:extLst>
-              <a:ext uri="{FF2B5EF4-FFF2-40B4-BE49-F238E27FC236}">
-                <a16:creationId xmlns:a16="http://schemas.microsoft.com/office/drawing/2014/main" id="{461A3A72-265A-4141-80D8-3D806A95EAAA}"/>
+              <a:t>Managed app offer</a:t>
+            </a:r>
+          </a:p>
+        </p:txBody>
+      </p:sp>
+      <p:sp>
+        <p:nvSpPr>
+          <p:cNvPr id="9" name="TextBox 8">
+            <a:extLst>
+              <a:ext uri="{FF2B5EF4-FFF2-40B4-BE49-F238E27FC236}">
+                <a16:creationId xmlns:a16="http://schemas.microsoft.com/office/drawing/2014/main" id="{EDF155BE-A671-4768-A982-A666494EE5E3}"/>
               </a:ext>
             </a:extLst>
           </p:cNvPr>
@@ -4877,8 +4864,8 @@
         </p:nvSpPr>
         <p:spPr>
           <a:xfrm>
-            <a:off x="2733771" y="3429000"/>
-            <a:ext cx="1658596" cy="369332"/>
+            <a:off x="6561160" y="4459456"/>
+            <a:ext cx="1750416" cy="307777"/>
           </a:xfrm>
           <a:prstGeom prst="rect">
             <a:avLst/>
@@ -4892,7 +4879,1407 @@
           <a:lstStyle/>
           <a:p>
             <a:r>
+              <a:rPr lang="en-US" sz="1400" dirty="0"/>
+              <a:t>Publisher AAD tenant</a:t>
+            </a:r>
+          </a:p>
+        </p:txBody>
+      </p:sp>
+      <p:sp>
+        <p:nvSpPr>
+          <p:cNvPr id="14" name="TextBox 13">
+            <a:extLst>
+              <a:ext uri="{FF2B5EF4-FFF2-40B4-BE49-F238E27FC236}">
+                <a16:creationId xmlns:a16="http://schemas.microsoft.com/office/drawing/2014/main" id="{FC7A8339-01EC-43E2-A96A-34CA7B36B5C3}"/>
+              </a:ext>
+            </a:extLst>
+          </p:cNvPr>
+          <p:cNvSpPr txBox="1"/>
+          <p:nvPr/>
+        </p:nvSpPr>
+        <p:spPr>
+          <a:xfrm>
+            <a:off x="453928" y="1170225"/>
+            <a:ext cx="1775551" cy="307777"/>
+          </a:xfrm>
+          <a:prstGeom prst="rect">
+            <a:avLst/>
+          </a:prstGeom>
+          <a:noFill/>
+        </p:spPr>
+        <p:txBody>
+          <a:bodyPr wrap="none" rtlCol="0">
+            <a:spAutoFit/>
+          </a:bodyPr>
+          <a:lstStyle/>
+          <a:p>
+            <a:r>
+              <a:rPr lang="en-US" sz="1400" dirty="0"/>
+              <a:t>Customer AAD tenant</a:t>
+            </a:r>
+          </a:p>
+        </p:txBody>
+      </p:sp>
+      <p:sp>
+        <p:nvSpPr>
+          <p:cNvPr id="16" name="Rectangle: Rounded Corners 15">
+            <a:extLst>
+              <a:ext uri="{FF2B5EF4-FFF2-40B4-BE49-F238E27FC236}">
+                <a16:creationId xmlns:a16="http://schemas.microsoft.com/office/drawing/2014/main" id="{279A988F-90B2-45F3-B067-24299EDF5776}"/>
+              </a:ext>
+            </a:extLst>
+          </p:cNvPr>
+          <p:cNvSpPr/>
+          <p:nvPr/>
+        </p:nvSpPr>
+        <p:spPr>
+          <a:xfrm>
+            <a:off x="1133474" y="1724025"/>
+            <a:ext cx="2798989" cy="1272847"/>
+          </a:xfrm>
+          <a:prstGeom prst="roundRect">
+            <a:avLst/>
+          </a:prstGeom>
+        </p:spPr>
+        <p:style>
+          <a:lnRef idx="2">
+            <a:schemeClr val="dk1"/>
+          </a:lnRef>
+          <a:fillRef idx="1">
+            <a:schemeClr val="lt1"/>
+          </a:fillRef>
+          <a:effectRef idx="0">
+            <a:schemeClr val="dk1"/>
+          </a:effectRef>
+          <a:fontRef idx="minor">
+            <a:schemeClr val="dk1"/>
+          </a:fontRef>
+        </p:style>
+        <p:txBody>
+          <a:bodyPr rtlCol="0" anchor="b" anchorCtr="1"/>
+          <a:lstStyle/>
+          <a:p>
+            <a:pPr algn="ctr"/>
+            <a:r>
               <a:rPr lang="en-US" dirty="0"/>
+              <a:t>Managed application resource group</a:t>
+            </a:r>
+          </a:p>
+        </p:txBody>
+      </p:sp>
+      <p:sp>
+        <p:nvSpPr>
+          <p:cNvPr id="18" name="Rectangle: Rounded Corners 17">
+            <a:extLst>
+              <a:ext uri="{FF2B5EF4-FFF2-40B4-BE49-F238E27FC236}">
+                <a16:creationId xmlns:a16="http://schemas.microsoft.com/office/drawing/2014/main" id="{AA0015FD-CA4D-4022-8BDE-EEAE8A137B7A}"/>
+              </a:ext>
+            </a:extLst>
+          </p:cNvPr>
+          <p:cNvSpPr/>
+          <p:nvPr/>
+        </p:nvSpPr>
+        <p:spPr>
+          <a:xfrm>
+            <a:off x="1171277" y="3149273"/>
+            <a:ext cx="2798989" cy="1543156"/>
+          </a:xfrm>
+          <a:prstGeom prst="roundRect">
+            <a:avLst/>
+          </a:prstGeom>
+        </p:spPr>
+        <p:style>
+          <a:lnRef idx="2">
+            <a:schemeClr val="dk1"/>
+          </a:lnRef>
+          <a:fillRef idx="1">
+            <a:schemeClr val="lt1"/>
+          </a:fillRef>
+          <a:effectRef idx="0">
+            <a:schemeClr val="dk1"/>
+          </a:effectRef>
+          <a:fontRef idx="minor">
+            <a:schemeClr val="dk1"/>
+          </a:fontRef>
+        </p:style>
+        <p:txBody>
+          <a:bodyPr rtlCol="0" anchor="b" anchorCtr="1"/>
+          <a:lstStyle/>
+          <a:p>
+            <a:pPr algn="ctr"/>
+            <a:r>
+              <a:rPr lang="en-US" dirty="0"/>
+              <a:t>Managed resource group</a:t>
+            </a:r>
+          </a:p>
+        </p:txBody>
+      </p:sp>
+      <p:sp>
+        <p:nvSpPr>
+          <p:cNvPr id="20" name="Rectangle 19">
+            <a:extLst>
+              <a:ext uri="{FF2B5EF4-FFF2-40B4-BE49-F238E27FC236}">
+                <a16:creationId xmlns:a16="http://schemas.microsoft.com/office/drawing/2014/main" id="{C88070A0-942D-47D2-AF89-9A61E106FA97}"/>
+              </a:ext>
+            </a:extLst>
+          </p:cNvPr>
+          <p:cNvSpPr/>
+          <p:nvPr/>
+        </p:nvSpPr>
+        <p:spPr>
+          <a:xfrm>
+            <a:off x="1496247" y="3346629"/>
+            <a:ext cx="437536" cy="307751"/>
+          </a:xfrm>
+          <a:prstGeom prst="rect">
+            <a:avLst/>
+          </a:prstGeom>
+        </p:spPr>
+        <p:style>
+          <a:lnRef idx="2">
+            <a:schemeClr val="dk1"/>
+          </a:lnRef>
+          <a:fillRef idx="1">
+            <a:schemeClr val="lt1"/>
+          </a:fillRef>
+          <a:effectRef idx="0">
+            <a:schemeClr val="dk1"/>
+          </a:effectRef>
+          <a:fontRef idx="minor">
+            <a:schemeClr val="dk1"/>
+          </a:fontRef>
+        </p:style>
+        <p:txBody>
+          <a:bodyPr rtlCol="0" anchor="ctr"/>
+          <a:lstStyle/>
+          <a:p>
+            <a:pPr algn="ctr"/>
+            <a:endParaRPr lang="en-US" sz="1400" dirty="0"/>
+          </a:p>
+        </p:txBody>
+      </p:sp>
+      <p:sp>
+        <p:nvSpPr>
+          <p:cNvPr id="22" name="Rectangle 21">
+            <a:extLst>
+              <a:ext uri="{FF2B5EF4-FFF2-40B4-BE49-F238E27FC236}">
+                <a16:creationId xmlns:a16="http://schemas.microsoft.com/office/drawing/2014/main" id="{6093C9D9-9D4E-4E06-998F-A32276AEFA92}"/>
+              </a:ext>
+            </a:extLst>
+          </p:cNvPr>
+          <p:cNvSpPr/>
+          <p:nvPr/>
+        </p:nvSpPr>
+        <p:spPr>
+          <a:xfrm>
+            <a:off x="2100208" y="3346629"/>
+            <a:ext cx="437536" cy="307751"/>
+          </a:xfrm>
+          <a:prstGeom prst="rect">
+            <a:avLst/>
+          </a:prstGeom>
+        </p:spPr>
+        <p:style>
+          <a:lnRef idx="2">
+            <a:schemeClr val="dk1"/>
+          </a:lnRef>
+          <a:fillRef idx="1">
+            <a:schemeClr val="lt1"/>
+          </a:fillRef>
+          <a:effectRef idx="0">
+            <a:schemeClr val="dk1"/>
+          </a:effectRef>
+          <a:fontRef idx="minor">
+            <a:schemeClr val="dk1"/>
+          </a:fontRef>
+        </p:style>
+        <p:txBody>
+          <a:bodyPr rtlCol="0" anchor="ctr"/>
+          <a:lstStyle/>
+          <a:p>
+            <a:pPr algn="ctr"/>
+            <a:endParaRPr lang="en-US" sz="1400" dirty="0"/>
+          </a:p>
+        </p:txBody>
+      </p:sp>
+      <p:sp>
+        <p:nvSpPr>
+          <p:cNvPr id="24" name="Rectangle 23">
+            <a:extLst>
+              <a:ext uri="{FF2B5EF4-FFF2-40B4-BE49-F238E27FC236}">
+                <a16:creationId xmlns:a16="http://schemas.microsoft.com/office/drawing/2014/main" id="{059823AD-EC48-4E99-9468-B89F26FA4075}"/>
+              </a:ext>
+            </a:extLst>
+          </p:cNvPr>
+          <p:cNvSpPr/>
+          <p:nvPr/>
+        </p:nvSpPr>
+        <p:spPr>
+          <a:xfrm>
+            <a:off x="2704169" y="3346629"/>
+            <a:ext cx="437536" cy="307751"/>
+          </a:xfrm>
+          <a:prstGeom prst="rect">
+            <a:avLst/>
+          </a:prstGeom>
+        </p:spPr>
+        <p:style>
+          <a:lnRef idx="2">
+            <a:schemeClr val="dk1"/>
+          </a:lnRef>
+          <a:fillRef idx="1">
+            <a:schemeClr val="lt1"/>
+          </a:fillRef>
+          <a:effectRef idx="0">
+            <a:schemeClr val="dk1"/>
+          </a:effectRef>
+          <a:fontRef idx="minor">
+            <a:schemeClr val="dk1"/>
+          </a:fontRef>
+        </p:style>
+        <p:txBody>
+          <a:bodyPr rtlCol="0" anchor="ctr"/>
+          <a:lstStyle/>
+          <a:p>
+            <a:pPr algn="ctr"/>
+            <a:endParaRPr lang="en-US" sz="1400" dirty="0"/>
+          </a:p>
+        </p:txBody>
+      </p:sp>
+      <p:sp>
+        <p:nvSpPr>
+          <p:cNvPr id="26" name="Rectangle 25">
+            <a:extLst>
+              <a:ext uri="{FF2B5EF4-FFF2-40B4-BE49-F238E27FC236}">
+                <a16:creationId xmlns:a16="http://schemas.microsoft.com/office/drawing/2014/main" id="{2FF86F36-7871-4699-AD10-ABA73D7954BF}"/>
+              </a:ext>
+            </a:extLst>
+          </p:cNvPr>
+          <p:cNvSpPr/>
+          <p:nvPr/>
+        </p:nvSpPr>
+        <p:spPr>
+          <a:xfrm>
+            <a:off x="3308130" y="3346628"/>
+            <a:ext cx="437536" cy="307751"/>
+          </a:xfrm>
+          <a:prstGeom prst="rect">
+            <a:avLst/>
+          </a:prstGeom>
+        </p:spPr>
+        <p:style>
+          <a:lnRef idx="2">
+            <a:schemeClr val="dk1"/>
+          </a:lnRef>
+          <a:fillRef idx="1">
+            <a:schemeClr val="lt1"/>
+          </a:fillRef>
+          <a:effectRef idx="0">
+            <a:schemeClr val="dk1"/>
+          </a:effectRef>
+          <a:fontRef idx="minor">
+            <a:schemeClr val="dk1"/>
+          </a:fontRef>
+        </p:style>
+        <p:txBody>
+          <a:bodyPr rtlCol="0" anchor="ctr"/>
+          <a:lstStyle/>
+          <a:p>
+            <a:pPr algn="ctr"/>
+            <a:endParaRPr lang="en-US" sz="1400" dirty="0"/>
+          </a:p>
+        </p:txBody>
+      </p:sp>
+      <p:sp>
+        <p:nvSpPr>
+          <p:cNvPr id="30" name="Rectangle 29">
+            <a:extLst>
+              <a:ext uri="{FF2B5EF4-FFF2-40B4-BE49-F238E27FC236}">
+                <a16:creationId xmlns:a16="http://schemas.microsoft.com/office/drawing/2014/main" id="{E03FE4DE-FB50-446F-AB33-FFA21385F92D}"/>
+              </a:ext>
+            </a:extLst>
+          </p:cNvPr>
+          <p:cNvSpPr/>
+          <p:nvPr/>
+        </p:nvSpPr>
+        <p:spPr>
+          <a:xfrm>
+            <a:off x="1831758" y="3736199"/>
+            <a:ext cx="437536" cy="307751"/>
+          </a:xfrm>
+          <a:prstGeom prst="rect">
+            <a:avLst/>
+          </a:prstGeom>
+        </p:spPr>
+        <p:style>
+          <a:lnRef idx="2">
+            <a:schemeClr val="dk1"/>
+          </a:lnRef>
+          <a:fillRef idx="1">
+            <a:schemeClr val="lt1"/>
+          </a:fillRef>
+          <a:effectRef idx="0">
+            <a:schemeClr val="dk1"/>
+          </a:effectRef>
+          <a:fontRef idx="minor">
+            <a:schemeClr val="dk1"/>
+          </a:fontRef>
+        </p:style>
+        <p:txBody>
+          <a:bodyPr rtlCol="0" anchor="ctr"/>
+          <a:lstStyle/>
+          <a:p>
+            <a:pPr algn="ctr"/>
+            <a:endParaRPr lang="en-US" sz="1400" dirty="0"/>
+          </a:p>
+        </p:txBody>
+      </p:sp>
+      <p:sp>
+        <p:nvSpPr>
+          <p:cNvPr id="32" name="Rectangle 31">
+            <a:extLst>
+              <a:ext uri="{FF2B5EF4-FFF2-40B4-BE49-F238E27FC236}">
+                <a16:creationId xmlns:a16="http://schemas.microsoft.com/office/drawing/2014/main" id="{76A4BCFB-301B-404E-BD20-1D24D838EF87}"/>
+              </a:ext>
+            </a:extLst>
+          </p:cNvPr>
+          <p:cNvSpPr/>
+          <p:nvPr/>
+        </p:nvSpPr>
+        <p:spPr>
+          <a:xfrm>
+            <a:off x="2405527" y="3736199"/>
+            <a:ext cx="437536" cy="307751"/>
+          </a:xfrm>
+          <a:prstGeom prst="rect">
+            <a:avLst/>
+          </a:prstGeom>
+        </p:spPr>
+        <p:style>
+          <a:lnRef idx="2">
+            <a:schemeClr val="dk1"/>
+          </a:lnRef>
+          <a:fillRef idx="1">
+            <a:schemeClr val="lt1"/>
+          </a:fillRef>
+          <a:effectRef idx="0">
+            <a:schemeClr val="dk1"/>
+          </a:effectRef>
+          <a:fontRef idx="minor">
+            <a:schemeClr val="dk1"/>
+          </a:fontRef>
+        </p:style>
+        <p:txBody>
+          <a:bodyPr rtlCol="0" anchor="ctr"/>
+          <a:lstStyle/>
+          <a:p>
+            <a:pPr algn="ctr"/>
+            <a:endParaRPr lang="en-US" sz="1400" dirty="0"/>
+          </a:p>
+        </p:txBody>
+      </p:sp>
+      <p:sp>
+        <p:nvSpPr>
+          <p:cNvPr id="34" name="Rectangle 33">
+            <a:extLst>
+              <a:ext uri="{FF2B5EF4-FFF2-40B4-BE49-F238E27FC236}">
+                <a16:creationId xmlns:a16="http://schemas.microsoft.com/office/drawing/2014/main" id="{3516F8D5-0237-4D6A-808B-567162EC5CC1}"/>
+              </a:ext>
+            </a:extLst>
+          </p:cNvPr>
+          <p:cNvSpPr/>
+          <p:nvPr/>
+        </p:nvSpPr>
+        <p:spPr>
+          <a:xfrm>
+            <a:off x="2979296" y="3736199"/>
+            <a:ext cx="437536" cy="307751"/>
+          </a:xfrm>
+          <a:prstGeom prst="rect">
+            <a:avLst/>
+          </a:prstGeom>
+        </p:spPr>
+        <p:style>
+          <a:lnRef idx="2">
+            <a:schemeClr val="dk1"/>
+          </a:lnRef>
+          <a:fillRef idx="1">
+            <a:schemeClr val="lt1"/>
+          </a:fillRef>
+          <a:effectRef idx="0">
+            <a:schemeClr val="dk1"/>
+          </a:effectRef>
+          <a:fontRef idx="minor">
+            <a:schemeClr val="dk1"/>
+          </a:fontRef>
+        </p:style>
+        <p:txBody>
+          <a:bodyPr rtlCol="0" anchor="ctr"/>
+          <a:lstStyle/>
+          <a:p>
+            <a:pPr algn="ctr"/>
+            <a:endParaRPr lang="en-US" sz="1400" dirty="0"/>
+          </a:p>
+        </p:txBody>
+      </p:sp>
+      <p:sp>
+        <p:nvSpPr>
+          <p:cNvPr id="35" name="Scroll: Vertical 34">
+            <a:extLst>
+              <a:ext uri="{FF2B5EF4-FFF2-40B4-BE49-F238E27FC236}">
+                <a16:creationId xmlns:a16="http://schemas.microsoft.com/office/drawing/2014/main" id="{5D85F915-A614-4692-BC62-B0F5E7A23BF7}"/>
+              </a:ext>
+            </a:extLst>
+          </p:cNvPr>
+          <p:cNvSpPr/>
+          <p:nvPr/>
+        </p:nvSpPr>
+        <p:spPr>
+          <a:xfrm>
+            <a:off x="7866709" y="2030576"/>
+            <a:ext cx="507344" cy="578137"/>
+          </a:xfrm>
+          <a:prstGeom prst="verticalScroll">
+            <a:avLst/>
+          </a:prstGeom>
+        </p:spPr>
+        <p:style>
+          <a:lnRef idx="2">
+            <a:schemeClr val="dk1"/>
+          </a:lnRef>
+          <a:fillRef idx="1">
+            <a:schemeClr val="lt1"/>
+          </a:fillRef>
+          <a:effectRef idx="0">
+            <a:schemeClr val="dk1"/>
+          </a:effectRef>
+          <a:fontRef idx="minor">
+            <a:schemeClr val="dk1"/>
+          </a:fontRef>
+        </p:style>
+        <p:txBody>
+          <a:bodyPr rtlCol="0" anchor="ctr"/>
+          <a:lstStyle/>
+          <a:p>
+            <a:pPr algn="ctr"/>
+            <a:endParaRPr lang="en-US" dirty="0"/>
+          </a:p>
+        </p:txBody>
+      </p:sp>
+      <p:sp>
+        <p:nvSpPr>
+          <p:cNvPr id="37" name="TextBox 36">
+            <a:extLst>
+              <a:ext uri="{FF2B5EF4-FFF2-40B4-BE49-F238E27FC236}">
+                <a16:creationId xmlns:a16="http://schemas.microsoft.com/office/drawing/2014/main" id="{11C4D407-F3F8-41F5-9304-06562A6A9272}"/>
+              </a:ext>
+            </a:extLst>
+          </p:cNvPr>
+          <p:cNvSpPr txBox="1"/>
+          <p:nvPr/>
+        </p:nvSpPr>
+        <p:spPr>
+          <a:xfrm>
+            <a:off x="8374054" y="1930287"/>
+            <a:ext cx="1306788" cy="738664"/>
+          </a:xfrm>
+          <a:prstGeom prst="rect">
+            <a:avLst/>
+          </a:prstGeom>
+          <a:noFill/>
+        </p:spPr>
+        <p:txBody>
+          <a:bodyPr wrap="square" rtlCol="0">
+            <a:spAutoFit/>
+          </a:bodyPr>
+          <a:lstStyle/>
+          <a:p>
+            <a:pPr algn="ctr"/>
+            <a:r>
+              <a:rPr lang="en-US" sz="1400" dirty="0"/>
+              <a:t>ARM templates and other resources</a:t>
+            </a:r>
+          </a:p>
+        </p:txBody>
+      </p:sp>
+      <p:cxnSp>
+        <p:nvCxnSpPr>
+          <p:cNvPr id="39" name="Straight Arrow Connector 38">
+            <a:extLst>
+              <a:ext uri="{FF2B5EF4-FFF2-40B4-BE49-F238E27FC236}">
+                <a16:creationId xmlns:a16="http://schemas.microsoft.com/office/drawing/2014/main" id="{C7BB8983-B791-49FE-B5CB-BA82E7ED2C5F}"/>
+              </a:ext>
+            </a:extLst>
+          </p:cNvPr>
+          <p:cNvCxnSpPr>
+            <a:endCxn id="35" idx="1"/>
+          </p:cNvCxnSpPr>
+          <p:nvPr/>
+        </p:nvCxnSpPr>
+        <p:spPr>
+          <a:xfrm flipV="1">
+            <a:off x="7179515" y="2319645"/>
+            <a:ext cx="750612" cy="4701"/>
+          </a:xfrm>
+          <a:prstGeom prst="straightConnector1">
+            <a:avLst/>
+          </a:prstGeom>
+          <a:ln>
+            <a:tailEnd type="triangle"/>
+          </a:ln>
+        </p:spPr>
+        <p:style>
+          <a:lnRef idx="3">
+            <a:schemeClr val="dk1"/>
+          </a:lnRef>
+          <a:fillRef idx="0">
+            <a:schemeClr val="dk1"/>
+          </a:fillRef>
+          <a:effectRef idx="2">
+            <a:schemeClr val="dk1"/>
+          </a:effectRef>
+          <a:fontRef idx="minor">
+            <a:schemeClr val="tx1"/>
+          </a:fontRef>
+        </p:style>
+      </p:cxnSp>
+      <p:pic>
+        <p:nvPicPr>
+          <p:cNvPr id="41" name="Graphic 40" descr="User">
+            <a:extLst>
+              <a:ext uri="{FF2B5EF4-FFF2-40B4-BE49-F238E27FC236}">
+                <a16:creationId xmlns:a16="http://schemas.microsoft.com/office/drawing/2014/main" id="{3B92C435-6AA9-45E7-90BA-8C69BF212C93}"/>
+              </a:ext>
+            </a:extLst>
+          </p:cNvPr>
+          <p:cNvPicPr>
+            <a:picLocks noChangeAspect="1"/>
+          </p:cNvPicPr>
+          <p:nvPr/>
+        </p:nvPicPr>
+        <p:blipFill>
+          <a:blip r:embed="rId2">
+            <a:extLst>
+              <a:ext uri="{28A0092B-C50C-407E-A947-70E740481C1C}">
+                <a14:useLocalDpi xmlns:a14="http://schemas.microsoft.com/office/drawing/2010/main" val="0"/>
+              </a:ext>
+              <a:ext uri="{96DAC541-7B7A-43D3-8B79-37D633B846F1}">
+                <asvg:svgBlip xmlns:asvg="http://schemas.microsoft.com/office/drawing/2016/SVG/main" r:embed="rId3"/>
+              </a:ext>
+            </a:extLst>
+          </a:blip>
+          <a:stretch>
+            <a:fillRect/>
+          </a:stretch>
+        </p:blipFill>
+        <p:spPr>
+          <a:xfrm>
+            <a:off x="5483997" y="4032303"/>
+            <a:ext cx="365760" cy="365760"/>
+          </a:xfrm>
+          <a:prstGeom prst="rect">
+            <a:avLst/>
+          </a:prstGeom>
+        </p:spPr>
+      </p:pic>
+      <p:pic>
+        <p:nvPicPr>
+          <p:cNvPr id="43" name="Graphic 42" descr="Wrench">
+            <a:extLst>
+              <a:ext uri="{FF2B5EF4-FFF2-40B4-BE49-F238E27FC236}">
+                <a16:creationId xmlns:a16="http://schemas.microsoft.com/office/drawing/2014/main" id="{251BC916-B618-464D-9D91-656F5F576FF2}"/>
+              </a:ext>
+            </a:extLst>
+          </p:cNvPr>
+          <p:cNvPicPr>
+            <a:picLocks noChangeAspect="1"/>
+          </p:cNvPicPr>
+          <p:nvPr/>
+        </p:nvPicPr>
+        <p:blipFill>
+          <a:blip r:embed="rId4">
+            <a:extLst>
+              <a:ext uri="{28A0092B-C50C-407E-A947-70E740481C1C}">
+                <a14:useLocalDpi xmlns:a14="http://schemas.microsoft.com/office/drawing/2010/main" val="0"/>
+              </a:ext>
+              <a:ext uri="{96DAC541-7B7A-43D3-8B79-37D633B846F1}">
+                <asvg:svgBlip xmlns:asvg="http://schemas.microsoft.com/office/drawing/2016/SVG/main" r:embed="rId5"/>
+              </a:ext>
+            </a:extLst>
+          </a:blip>
+          <a:stretch>
+            <a:fillRect/>
+          </a:stretch>
+        </p:blipFill>
+        <p:spPr>
+          <a:xfrm>
+            <a:off x="5456548" y="4509549"/>
+            <a:ext cx="365760" cy="365760"/>
+          </a:xfrm>
+          <a:prstGeom prst="rect">
+            <a:avLst/>
+          </a:prstGeom>
+        </p:spPr>
+      </p:pic>
+      <p:sp>
+        <p:nvSpPr>
+          <p:cNvPr id="44" name="TextBox 43">
+            <a:extLst>
+              <a:ext uri="{FF2B5EF4-FFF2-40B4-BE49-F238E27FC236}">
+                <a16:creationId xmlns:a16="http://schemas.microsoft.com/office/drawing/2014/main" id="{B4F73D91-1803-4372-B526-CEF00B966E66}"/>
+              </a:ext>
+            </a:extLst>
+          </p:cNvPr>
+          <p:cNvSpPr txBox="1"/>
+          <p:nvPr/>
+        </p:nvSpPr>
+        <p:spPr>
+          <a:xfrm>
+            <a:off x="4555871" y="4878353"/>
+            <a:ext cx="2532873" cy="954107"/>
+          </a:xfrm>
+          <a:prstGeom prst="rect">
+            <a:avLst/>
+          </a:prstGeom>
+          <a:noFill/>
+        </p:spPr>
+        <p:txBody>
+          <a:bodyPr wrap="none" rtlCol="0">
+            <a:spAutoFit/>
+          </a:bodyPr>
+          <a:lstStyle/>
+          <a:p>
+            <a:r>
+              <a:rPr lang="en-US" sz="1400" dirty="0"/>
+              <a:t>Authorizations for the offer plan</a:t>
+            </a:r>
+          </a:p>
+          <a:p>
+            <a:pPr marL="285750" indent="-285750">
+              <a:buFontTx/>
+              <a:buChar char="-"/>
+            </a:pPr>
+            <a:r>
+              <a:rPr lang="en-US" sz="1400" dirty="0"/>
+              <a:t>Users</a:t>
+            </a:r>
+          </a:p>
+          <a:p>
+            <a:pPr marL="285750" indent="-285750">
+              <a:buFontTx/>
+              <a:buChar char="-"/>
+            </a:pPr>
+            <a:r>
+              <a:rPr lang="en-US" sz="1400" dirty="0"/>
+              <a:t>Groups</a:t>
+            </a:r>
+          </a:p>
+          <a:p>
+            <a:pPr marL="285750" indent="-285750">
+              <a:buFontTx/>
+              <a:buChar char="-"/>
+            </a:pPr>
+            <a:r>
+              <a:rPr lang="en-US" sz="1400" dirty="0"/>
+              <a:t>Apps – service principals</a:t>
+            </a:r>
+          </a:p>
+        </p:txBody>
+      </p:sp>
+      <p:cxnSp>
+        <p:nvCxnSpPr>
+          <p:cNvPr id="46" name="Straight Connector 45">
+            <a:extLst>
+              <a:ext uri="{FF2B5EF4-FFF2-40B4-BE49-F238E27FC236}">
+                <a16:creationId xmlns:a16="http://schemas.microsoft.com/office/drawing/2014/main" id="{856B7375-4CAA-454F-875A-4BB095F333AC}"/>
+              </a:ext>
+            </a:extLst>
+          </p:cNvPr>
+          <p:cNvCxnSpPr>
+            <a:cxnSpLocks/>
+            <a:stCxn id="41" idx="3"/>
+            <a:endCxn id="53" idx="1"/>
+          </p:cNvCxnSpPr>
+          <p:nvPr/>
+        </p:nvCxnSpPr>
+        <p:spPr>
+          <a:xfrm flipV="1">
+            <a:off x="5849757" y="4128200"/>
+            <a:ext cx="1419526" cy="86983"/>
+          </a:xfrm>
+          <a:prstGeom prst="line">
+            <a:avLst/>
+          </a:prstGeom>
+        </p:spPr>
+        <p:style>
+          <a:lnRef idx="3">
+            <a:schemeClr val="dk1"/>
+          </a:lnRef>
+          <a:fillRef idx="0">
+            <a:schemeClr val="dk1"/>
+          </a:fillRef>
+          <a:effectRef idx="2">
+            <a:schemeClr val="dk1"/>
+          </a:effectRef>
+          <a:fontRef idx="minor">
+            <a:schemeClr val="tx1"/>
+          </a:fontRef>
+        </p:style>
+      </p:cxnSp>
+      <p:cxnSp>
+        <p:nvCxnSpPr>
+          <p:cNvPr id="47" name="Straight Connector 46">
+            <a:extLst>
+              <a:ext uri="{FF2B5EF4-FFF2-40B4-BE49-F238E27FC236}">
+                <a16:creationId xmlns:a16="http://schemas.microsoft.com/office/drawing/2014/main" id="{8A3E51ED-1A70-4685-9D3E-440A945FB4E5}"/>
+              </a:ext>
+            </a:extLst>
+          </p:cNvPr>
+          <p:cNvCxnSpPr>
+            <a:cxnSpLocks/>
+            <a:stCxn id="43" idx="3"/>
+            <a:endCxn id="53" idx="1"/>
+          </p:cNvCxnSpPr>
+          <p:nvPr/>
+        </p:nvCxnSpPr>
+        <p:spPr>
+          <a:xfrm flipV="1">
+            <a:off x="5822308" y="4128200"/>
+            <a:ext cx="1446975" cy="564229"/>
+          </a:xfrm>
+          <a:prstGeom prst="line">
+            <a:avLst/>
+          </a:prstGeom>
+        </p:spPr>
+        <p:style>
+          <a:lnRef idx="3">
+            <a:schemeClr val="dk1"/>
+          </a:lnRef>
+          <a:fillRef idx="0">
+            <a:schemeClr val="dk1"/>
+          </a:fillRef>
+          <a:effectRef idx="2">
+            <a:schemeClr val="dk1"/>
+          </a:effectRef>
+          <a:fontRef idx="minor">
+            <a:schemeClr val="tx1"/>
+          </a:fontRef>
+        </p:style>
+      </p:cxnSp>
+      <p:pic>
+        <p:nvPicPr>
+          <p:cNvPr id="53" name="Graphic 52">
+            <a:extLst>
+              <a:ext uri="{FF2B5EF4-FFF2-40B4-BE49-F238E27FC236}">
+                <a16:creationId xmlns:a16="http://schemas.microsoft.com/office/drawing/2014/main" id="{9D89B9C2-6EFB-4B68-862D-8781F5A928C9}"/>
+              </a:ext>
+            </a:extLst>
+          </p:cNvPr>
+          <p:cNvPicPr>
+            <a:picLocks noChangeAspect="1"/>
+          </p:cNvPicPr>
+          <p:nvPr/>
+        </p:nvPicPr>
+        <p:blipFill>
+          <a:blip r:embed="rId6">
+            <a:extLst>
+              <a:ext uri="{28A0092B-C50C-407E-A947-70E740481C1C}">
+                <a14:useLocalDpi xmlns:a14="http://schemas.microsoft.com/office/drawing/2010/main" val="0"/>
+              </a:ext>
+              <a:ext uri="{96DAC541-7B7A-43D3-8B79-37D633B846F1}">
+                <asvg:svgBlip xmlns:asvg="http://schemas.microsoft.com/office/drawing/2016/SVG/main" r:embed="rId7"/>
+              </a:ext>
+            </a:extLst>
+          </a:blip>
+          <a:stretch>
+            <a:fillRect/>
+          </a:stretch>
+        </p:blipFill>
+        <p:spPr>
+          <a:xfrm>
+            <a:off x="7269283" y="3890075"/>
+            <a:ext cx="476250" cy="476250"/>
+          </a:xfrm>
+          <a:prstGeom prst="rect">
+            <a:avLst/>
+          </a:prstGeom>
+        </p:spPr>
+      </p:pic>
+      <p:pic>
+        <p:nvPicPr>
+          <p:cNvPr id="57" name="Graphic 56">
+            <a:extLst>
+              <a:ext uri="{FF2B5EF4-FFF2-40B4-BE49-F238E27FC236}">
+                <a16:creationId xmlns:a16="http://schemas.microsoft.com/office/drawing/2014/main" id="{71D3FB48-04A3-49F5-9607-9502A7BDCBA7}"/>
+              </a:ext>
+            </a:extLst>
+          </p:cNvPr>
+          <p:cNvPicPr>
+            <a:picLocks noChangeAspect="1"/>
+          </p:cNvPicPr>
+          <p:nvPr/>
+        </p:nvPicPr>
+        <p:blipFill>
+          <a:blip r:embed="rId6">
+            <a:extLst>
+              <a:ext uri="{28A0092B-C50C-407E-A947-70E740481C1C}">
+                <a14:useLocalDpi xmlns:a14="http://schemas.microsoft.com/office/drawing/2010/main" val="0"/>
+              </a:ext>
+              <a:ext uri="{96DAC541-7B7A-43D3-8B79-37D633B846F1}">
+                <asvg:svgBlip xmlns:asvg="http://schemas.microsoft.com/office/drawing/2016/SVG/main" r:embed="rId7"/>
+              </a:ext>
+            </a:extLst>
+          </a:blip>
+          <a:stretch>
+            <a:fillRect/>
+          </a:stretch>
+        </p:blipFill>
+        <p:spPr>
+          <a:xfrm>
+            <a:off x="1056280" y="675887"/>
+            <a:ext cx="476250" cy="476250"/>
+          </a:xfrm>
+          <a:prstGeom prst="rect">
+            <a:avLst/>
+          </a:prstGeom>
+        </p:spPr>
+      </p:pic>
+      <p:pic>
+        <p:nvPicPr>
+          <p:cNvPr id="59" name="Graphic 58">
+            <a:extLst>
+              <a:ext uri="{FF2B5EF4-FFF2-40B4-BE49-F238E27FC236}">
+                <a16:creationId xmlns:a16="http://schemas.microsoft.com/office/drawing/2014/main" id="{DCC486C7-EF02-4BC3-A6FC-D733BAC23141}"/>
+              </a:ext>
+            </a:extLst>
+          </p:cNvPr>
+          <p:cNvPicPr>
+            <a:picLocks noChangeAspect="1"/>
+          </p:cNvPicPr>
+          <p:nvPr/>
+        </p:nvPicPr>
+        <p:blipFill>
+          <a:blip r:embed="rId8">
+            <a:extLst>
+              <a:ext uri="{28A0092B-C50C-407E-A947-70E740481C1C}">
+                <a14:useLocalDpi xmlns:a14="http://schemas.microsoft.com/office/drawing/2010/main" val="0"/>
+              </a:ext>
+              <a:ext uri="{96DAC541-7B7A-43D3-8B79-37D633B846F1}">
+                <asvg:svgBlip xmlns:asvg="http://schemas.microsoft.com/office/drawing/2016/SVG/main" r:embed="rId9"/>
+              </a:ext>
+            </a:extLst>
+          </a:blip>
+          <a:stretch>
+            <a:fillRect/>
+          </a:stretch>
+        </p:blipFill>
+        <p:spPr>
+          <a:xfrm>
+            <a:off x="861520" y="4945425"/>
+            <a:ext cx="476250" cy="476250"/>
+          </a:xfrm>
+          <a:prstGeom prst="rect">
+            <a:avLst/>
+          </a:prstGeom>
+        </p:spPr>
+      </p:pic>
+      <p:pic>
+        <p:nvPicPr>
+          <p:cNvPr id="61" name="Graphic 60">
+            <a:extLst>
+              <a:ext uri="{FF2B5EF4-FFF2-40B4-BE49-F238E27FC236}">
+                <a16:creationId xmlns:a16="http://schemas.microsoft.com/office/drawing/2014/main" id="{C3A33DEC-1CAC-48A1-9DDB-907EC930AFE6}"/>
+              </a:ext>
+            </a:extLst>
+          </p:cNvPr>
+          <p:cNvPicPr>
+            <a:picLocks noChangeAspect="1"/>
+          </p:cNvPicPr>
+          <p:nvPr/>
+        </p:nvPicPr>
+        <p:blipFill>
+          <a:blip r:embed="rId10">
+            <a:extLst>
+              <a:ext uri="{28A0092B-C50C-407E-A947-70E740481C1C}">
+                <a14:useLocalDpi xmlns:a14="http://schemas.microsoft.com/office/drawing/2010/main" val="0"/>
+              </a:ext>
+              <a:ext uri="{96DAC541-7B7A-43D3-8B79-37D633B846F1}">
+                <asvg:svgBlip xmlns:asvg="http://schemas.microsoft.com/office/drawing/2016/SVG/main" r:embed="rId11"/>
+              </a:ext>
+            </a:extLst>
+          </a:blip>
+          <a:stretch>
+            <a:fillRect/>
+          </a:stretch>
+        </p:blipFill>
+        <p:spPr>
+          <a:xfrm>
+            <a:off x="3745666" y="2650347"/>
+            <a:ext cx="476250" cy="476250"/>
+          </a:xfrm>
+          <a:prstGeom prst="rect">
+            <a:avLst/>
+          </a:prstGeom>
+        </p:spPr>
+      </p:pic>
+      <p:pic>
+        <p:nvPicPr>
+          <p:cNvPr id="63" name="Graphic 62">
+            <a:extLst>
+              <a:ext uri="{FF2B5EF4-FFF2-40B4-BE49-F238E27FC236}">
+                <a16:creationId xmlns:a16="http://schemas.microsoft.com/office/drawing/2014/main" id="{1238D48D-CC79-49FA-B87C-F0FEA45DD0B6}"/>
+              </a:ext>
+            </a:extLst>
+          </p:cNvPr>
+          <p:cNvPicPr>
+            <a:picLocks noChangeAspect="1"/>
+          </p:cNvPicPr>
+          <p:nvPr/>
+        </p:nvPicPr>
+        <p:blipFill>
+          <a:blip r:embed="rId10">
+            <a:extLst>
+              <a:ext uri="{28A0092B-C50C-407E-A947-70E740481C1C}">
+                <a14:useLocalDpi xmlns:a14="http://schemas.microsoft.com/office/drawing/2010/main" val="0"/>
+              </a:ext>
+              <a:ext uri="{96DAC541-7B7A-43D3-8B79-37D633B846F1}">
+                <asvg:svgBlip xmlns:asvg="http://schemas.microsoft.com/office/drawing/2016/SVG/main" r:embed="rId11"/>
+              </a:ext>
+            </a:extLst>
+          </a:blip>
+          <a:stretch>
+            <a:fillRect/>
+          </a:stretch>
+        </p:blipFill>
+        <p:spPr>
+          <a:xfrm>
+            <a:off x="3745666" y="4451477"/>
+            <a:ext cx="476250" cy="476250"/>
+          </a:xfrm>
+          <a:prstGeom prst="rect">
+            <a:avLst/>
+          </a:prstGeom>
+        </p:spPr>
+      </p:pic>
+      <p:sp>
+        <p:nvSpPr>
+          <p:cNvPr id="67" name="Rectangle 66">
+            <a:extLst>
+              <a:ext uri="{FF2B5EF4-FFF2-40B4-BE49-F238E27FC236}">
+                <a16:creationId xmlns:a16="http://schemas.microsoft.com/office/drawing/2014/main" id="{09D4C0B1-8502-4BB8-98A4-E0F08093CEE4}"/>
+              </a:ext>
+            </a:extLst>
+          </p:cNvPr>
+          <p:cNvSpPr/>
+          <p:nvPr/>
+        </p:nvSpPr>
+        <p:spPr>
+          <a:xfrm>
+            <a:off x="1919255" y="1864277"/>
+            <a:ext cx="1183806" cy="392001"/>
+          </a:xfrm>
+          <a:prstGeom prst="rect">
+            <a:avLst/>
+          </a:prstGeom>
+        </p:spPr>
+        <p:style>
+          <a:lnRef idx="2">
+            <a:schemeClr val="dk1"/>
+          </a:lnRef>
+          <a:fillRef idx="1">
+            <a:schemeClr val="lt1"/>
+          </a:fillRef>
+          <a:effectRef idx="0">
+            <a:schemeClr val="dk1"/>
+          </a:effectRef>
+          <a:fontRef idx="minor">
+            <a:schemeClr val="dk1"/>
+          </a:fontRef>
+        </p:style>
+        <p:txBody>
+          <a:bodyPr rtlCol="0" anchor="ctr"/>
+          <a:lstStyle/>
+          <a:p>
+            <a:pPr algn="ctr"/>
+            <a:r>
+              <a:rPr lang="en-US" sz="1400" dirty="0"/>
+              <a:t>Managed app</a:t>
+            </a:r>
+          </a:p>
+        </p:txBody>
+      </p:sp>
+      <p:pic>
+        <p:nvPicPr>
+          <p:cNvPr id="65" name="Graphic 64">
+            <a:extLst>
+              <a:ext uri="{FF2B5EF4-FFF2-40B4-BE49-F238E27FC236}">
+                <a16:creationId xmlns:a16="http://schemas.microsoft.com/office/drawing/2014/main" id="{7B8AB20E-5418-4AE6-ADD6-1045180B10BB}"/>
+              </a:ext>
+            </a:extLst>
+          </p:cNvPr>
+          <p:cNvPicPr>
+            <a:picLocks noChangeAspect="1"/>
+          </p:cNvPicPr>
+          <p:nvPr/>
+        </p:nvPicPr>
+        <p:blipFill>
+          <a:blip r:embed="rId12">
+            <a:extLst>
+              <a:ext uri="{28A0092B-C50C-407E-A947-70E740481C1C}">
+                <a14:useLocalDpi xmlns:a14="http://schemas.microsoft.com/office/drawing/2010/main" val="0"/>
+              </a:ext>
+              <a:ext uri="{96DAC541-7B7A-43D3-8B79-37D633B846F1}">
+                <asvg:svgBlip xmlns:asvg="http://schemas.microsoft.com/office/drawing/2016/SVG/main" r:embed="rId13"/>
+              </a:ext>
+            </a:extLst>
+          </a:blip>
+          <a:stretch>
+            <a:fillRect/>
+          </a:stretch>
+        </p:blipFill>
+        <p:spPr>
+          <a:xfrm>
+            <a:off x="1529263" y="1913122"/>
+            <a:ext cx="476250" cy="476250"/>
+          </a:xfrm>
+          <a:prstGeom prst="rect">
+            <a:avLst/>
+          </a:prstGeom>
+        </p:spPr>
+      </p:pic>
+      <p:pic>
+        <p:nvPicPr>
+          <p:cNvPr id="69" name="Graphic 68">
+            <a:extLst>
+              <a:ext uri="{FF2B5EF4-FFF2-40B4-BE49-F238E27FC236}">
+                <a16:creationId xmlns:a16="http://schemas.microsoft.com/office/drawing/2014/main" id="{0F7889B0-9283-458F-91AD-5845FA27481C}"/>
+              </a:ext>
+            </a:extLst>
+          </p:cNvPr>
+          <p:cNvPicPr>
+            <a:picLocks noChangeAspect="1"/>
+          </p:cNvPicPr>
+          <p:nvPr/>
+        </p:nvPicPr>
+        <p:blipFill>
+          <a:blip r:embed="rId14">
+            <a:extLst>
+              <a:ext uri="{28A0092B-C50C-407E-A947-70E740481C1C}">
+                <a14:useLocalDpi xmlns:a14="http://schemas.microsoft.com/office/drawing/2010/main" val="0"/>
+              </a:ext>
+              <a:ext uri="{96DAC541-7B7A-43D3-8B79-37D633B846F1}">
+                <asvg:svgBlip xmlns:asvg="http://schemas.microsoft.com/office/drawing/2016/SVG/main" r:embed="rId15"/>
+              </a:ext>
+            </a:extLst>
+          </a:blip>
+          <a:stretch>
+            <a:fillRect/>
+          </a:stretch>
+        </p:blipFill>
+        <p:spPr>
+          <a:xfrm>
+            <a:off x="1431647" y="3803282"/>
+            <a:ext cx="291186" cy="383139"/>
+          </a:xfrm>
+          <a:prstGeom prst="rect">
+            <a:avLst/>
+          </a:prstGeom>
+        </p:spPr>
+      </p:pic>
+      <p:sp>
+        <p:nvSpPr>
+          <p:cNvPr id="70" name="TextBox 69">
+            <a:extLst>
+              <a:ext uri="{FF2B5EF4-FFF2-40B4-BE49-F238E27FC236}">
+                <a16:creationId xmlns:a16="http://schemas.microsoft.com/office/drawing/2014/main" id="{BE1211D3-BEC6-4D32-9291-CC46EEA0B8B4}"/>
+              </a:ext>
+            </a:extLst>
+          </p:cNvPr>
+          <p:cNvSpPr txBox="1"/>
+          <p:nvPr/>
+        </p:nvSpPr>
+        <p:spPr>
+          <a:xfrm>
+            <a:off x="62801" y="3624770"/>
+            <a:ext cx="992206" cy="523220"/>
+          </a:xfrm>
+          <a:prstGeom prst="rect">
+            <a:avLst/>
+          </a:prstGeom>
+          <a:noFill/>
+        </p:spPr>
+        <p:txBody>
+          <a:bodyPr wrap="square" rtlCol="0">
+            <a:spAutoFit/>
+          </a:bodyPr>
+          <a:lstStyle/>
+          <a:p>
+            <a:r>
+              <a:rPr lang="en-US" sz="1400" dirty="0"/>
+              <a:t>Managed identity</a:t>
+            </a:r>
+          </a:p>
+        </p:txBody>
+      </p:sp>
+      <p:cxnSp>
+        <p:nvCxnSpPr>
+          <p:cNvPr id="72" name="Straight Arrow Connector 71">
+            <a:extLst>
+              <a:ext uri="{FF2B5EF4-FFF2-40B4-BE49-F238E27FC236}">
+                <a16:creationId xmlns:a16="http://schemas.microsoft.com/office/drawing/2014/main" id="{5791ADED-0B1A-448A-9D32-1238F56F50AC}"/>
+              </a:ext>
+            </a:extLst>
+          </p:cNvPr>
+          <p:cNvCxnSpPr/>
+          <p:nvPr/>
+        </p:nvCxnSpPr>
+        <p:spPr>
+          <a:xfrm>
+            <a:off x="788657" y="3981835"/>
+            <a:ext cx="632110" cy="0"/>
+          </a:xfrm>
+          <a:prstGeom prst="straightConnector1">
+            <a:avLst/>
+          </a:prstGeom>
+          <a:ln>
+            <a:tailEnd type="triangle"/>
+          </a:ln>
+        </p:spPr>
+        <p:style>
+          <a:lnRef idx="3">
+            <a:schemeClr val="dk1"/>
+          </a:lnRef>
+          <a:fillRef idx="0">
+            <a:schemeClr val="dk1"/>
+          </a:fillRef>
+          <a:effectRef idx="2">
+            <a:schemeClr val="dk1"/>
+          </a:effectRef>
+          <a:fontRef idx="minor">
+            <a:schemeClr val="tx1"/>
+          </a:fontRef>
+        </p:style>
+      </p:cxnSp>
+      <p:pic>
+        <p:nvPicPr>
+          <p:cNvPr id="74" name="Graphic 73" descr="User">
+            <a:extLst>
+              <a:ext uri="{FF2B5EF4-FFF2-40B4-BE49-F238E27FC236}">
+                <a16:creationId xmlns:a16="http://schemas.microsoft.com/office/drawing/2014/main" id="{9205975C-8A24-42E0-B107-D294F517CD27}"/>
+              </a:ext>
+            </a:extLst>
+          </p:cNvPr>
+          <p:cNvPicPr>
+            <a:picLocks noChangeAspect="1"/>
+          </p:cNvPicPr>
+          <p:nvPr/>
+        </p:nvPicPr>
+        <p:blipFill>
+          <a:blip r:embed="rId2">
+            <a:extLst>
+              <a:ext uri="{28A0092B-C50C-407E-A947-70E740481C1C}">
+                <a14:useLocalDpi xmlns:a14="http://schemas.microsoft.com/office/drawing/2010/main" val="0"/>
+              </a:ext>
+              <a:ext uri="{96DAC541-7B7A-43D3-8B79-37D633B846F1}">
+                <asvg:svgBlip xmlns:asvg="http://schemas.microsoft.com/office/drawing/2016/SVG/main" r:embed="rId3"/>
+              </a:ext>
+            </a:extLst>
+          </a:blip>
+          <a:stretch>
+            <a:fillRect/>
+          </a:stretch>
+        </p:blipFill>
+        <p:spPr>
+          <a:xfrm>
+            <a:off x="1778935" y="643348"/>
+            <a:ext cx="365760" cy="365760"/>
+          </a:xfrm>
+          <a:prstGeom prst="rect">
+            <a:avLst/>
+          </a:prstGeom>
+        </p:spPr>
+      </p:pic>
+      <p:sp>
+        <p:nvSpPr>
+          <p:cNvPr id="76" name="TextBox 75">
+            <a:extLst>
+              <a:ext uri="{FF2B5EF4-FFF2-40B4-BE49-F238E27FC236}">
+                <a16:creationId xmlns:a16="http://schemas.microsoft.com/office/drawing/2014/main" id="{A05921F4-88C0-47B2-86D9-D4E57B63E263}"/>
+              </a:ext>
+            </a:extLst>
+          </p:cNvPr>
+          <p:cNvSpPr txBox="1"/>
+          <p:nvPr/>
+        </p:nvSpPr>
+        <p:spPr>
+          <a:xfrm>
+            <a:off x="2234678" y="586661"/>
+            <a:ext cx="992206" cy="523220"/>
+          </a:xfrm>
+          <a:prstGeom prst="rect">
+            <a:avLst/>
+          </a:prstGeom>
+          <a:noFill/>
+        </p:spPr>
+        <p:txBody>
+          <a:bodyPr wrap="square" rtlCol="0">
+            <a:spAutoFit/>
+          </a:bodyPr>
+          <a:lstStyle/>
+          <a:p>
+            <a:r>
+              <a:rPr lang="en-US" sz="1400" dirty="0"/>
+              <a:t>Customer admin</a:t>
+            </a:r>
+          </a:p>
+        </p:txBody>
+      </p:sp>
+      <p:cxnSp>
+        <p:nvCxnSpPr>
+          <p:cNvPr id="78" name="Straight Connector 77">
+            <a:extLst>
+              <a:ext uri="{FF2B5EF4-FFF2-40B4-BE49-F238E27FC236}">
+                <a16:creationId xmlns:a16="http://schemas.microsoft.com/office/drawing/2014/main" id="{A6C610FB-0A0E-492B-884C-7E86FBDCDF30}"/>
+              </a:ext>
+            </a:extLst>
+          </p:cNvPr>
+          <p:cNvCxnSpPr>
+            <a:stCxn id="74" idx="1"/>
+            <a:endCxn id="57" idx="3"/>
+          </p:cNvCxnSpPr>
+          <p:nvPr/>
+        </p:nvCxnSpPr>
+        <p:spPr>
+          <a:xfrm flipH="1">
+            <a:off x="1532530" y="826228"/>
+            <a:ext cx="246405" cy="87784"/>
+          </a:xfrm>
+          <a:prstGeom prst="line">
+            <a:avLst/>
+          </a:prstGeom>
+        </p:spPr>
+        <p:style>
+          <a:lnRef idx="3">
+            <a:schemeClr val="dk1"/>
+          </a:lnRef>
+          <a:fillRef idx="0">
+            <a:schemeClr val="dk1"/>
+          </a:fillRef>
+          <a:effectRef idx="2">
+            <a:schemeClr val="dk1"/>
+          </a:effectRef>
+          <a:fontRef idx="minor">
+            <a:schemeClr val="tx1"/>
+          </a:fontRef>
+        </p:style>
+      </p:cxnSp>
+    </p:spTree>
+    <p:extLst>
+      <p:ext uri="{BB962C8B-B14F-4D97-AF65-F5344CB8AC3E}">
+        <p14:creationId xmlns:p14="http://schemas.microsoft.com/office/powerpoint/2010/main" val="2889155231"/>
+      </p:ext>
+    </p:extLst>
+  </p:cSld>
+  <p:clrMapOvr>
+    <a:masterClrMapping/>
+  </p:clrMapOvr>
+</p:sld>
+</file>
+
+<file path=ppt/slides/slide3.xml><?xml version="1.0" encoding="utf-8"?>
+<p:sld xmlns:a="http://schemas.openxmlformats.org/drawingml/2006/main" xmlns:r="http://schemas.openxmlformats.org/officeDocument/2006/relationships" xmlns:p="http://schemas.openxmlformats.org/presentationml/2006/main">
+  <p:cSld>
+    <p:spTree>
+      <p:nvGrpSpPr>
+        <p:cNvPr id="1" name=""/>
+        <p:cNvGrpSpPr/>
+        <p:nvPr/>
+      </p:nvGrpSpPr>
+      <p:grpSpPr>
+        <a:xfrm>
+          <a:off x="0" y="0"/>
+          <a:ext cx="0" cy="0"/>
+          <a:chOff x="0" y="0"/>
+          <a:chExt cx="0" cy="0"/>
+        </a:xfrm>
+      </p:grpSpPr>
+      <p:sp>
+        <p:nvSpPr>
+          <p:cNvPr id="6" name="Rectangle 5">
+            <a:extLst>
+              <a:ext uri="{FF2B5EF4-FFF2-40B4-BE49-F238E27FC236}">
+                <a16:creationId xmlns:a16="http://schemas.microsoft.com/office/drawing/2014/main" id="{B6DB9E11-7F4E-4621-B5B4-E33D2416EC77}"/>
+              </a:ext>
+            </a:extLst>
+          </p:cNvPr>
+          <p:cNvSpPr/>
+          <p:nvPr/>
+        </p:nvSpPr>
+        <p:spPr>
+          <a:xfrm>
+            <a:off x="4743081" y="448351"/>
+            <a:ext cx="1640021" cy="1032387"/>
+          </a:xfrm>
+          <a:prstGeom prst="rect">
+            <a:avLst/>
+          </a:prstGeom>
+        </p:spPr>
+        <p:style>
+          <a:lnRef idx="2">
+            <a:schemeClr val="dk1"/>
+          </a:lnRef>
+          <a:fillRef idx="1">
+            <a:schemeClr val="lt1"/>
+          </a:fillRef>
+          <a:effectRef idx="0">
+            <a:schemeClr val="dk1"/>
+          </a:effectRef>
+          <a:fontRef idx="minor">
+            <a:schemeClr val="dk1"/>
+          </a:fontRef>
+        </p:style>
+        <p:txBody>
+          <a:bodyPr rtlCol="0" anchor="ctr"/>
+          <a:lstStyle/>
+          <a:p>
+            <a:pPr algn="ctr"/>
+            <a:r>
+              <a:rPr lang="en-US" sz="1400" dirty="0"/>
+              <a:t>Commercial marketplace</a:t>
+            </a:r>
+          </a:p>
+        </p:txBody>
+      </p:sp>
+      <p:sp>
+        <p:nvSpPr>
+          <p:cNvPr id="7" name="TextBox 6">
+            <a:extLst>
+              <a:ext uri="{FF2B5EF4-FFF2-40B4-BE49-F238E27FC236}">
+                <a16:creationId xmlns:a16="http://schemas.microsoft.com/office/drawing/2014/main" id="{461A3A72-265A-4141-80D8-3D806A95EAAA}"/>
+              </a:ext>
+            </a:extLst>
+          </p:cNvPr>
+          <p:cNvSpPr txBox="1"/>
+          <p:nvPr/>
+        </p:nvSpPr>
+        <p:spPr>
+          <a:xfrm>
+            <a:off x="2953498" y="3443260"/>
+            <a:ext cx="1330877" cy="307777"/>
+          </a:xfrm>
+          <a:prstGeom prst="rect">
+            <a:avLst/>
+          </a:prstGeom>
+          <a:noFill/>
+        </p:spPr>
+        <p:txBody>
+          <a:bodyPr wrap="none" rtlCol="0">
+            <a:spAutoFit/>
+          </a:bodyPr>
+          <a:lstStyle/>
+          <a:p>
+            <a:r>
+              <a:rPr lang="en-US" sz="1400" dirty="0"/>
               <a:t>Option 1: direct</a:t>
             </a:r>
           </a:p>
@@ -4938,15 +6325,15 @@
             </a:extLst>
           </p:cNvPr>
           <p:cNvCxnSpPr>
-            <a:stCxn id="9" idx="0"/>
+            <a:cxnSpLocks/>
             <a:endCxn id="6" idx="1"/>
           </p:cNvCxnSpPr>
           <p:nvPr/>
         </p:nvCxnSpPr>
         <p:spPr>
           <a:xfrm rot="5400000" flipH="1" flipV="1">
-            <a:off x="3712281" y="815334"/>
-            <a:ext cx="881589" cy="1180012"/>
+            <a:off x="3146583" y="994303"/>
+            <a:ext cx="1626255" cy="1566741"/>
           </a:xfrm>
           <a:prstGeom prst="bentConnector2">
             <a:avLst/>
@@ -4984,8 +6371,8 @@
         </p:nvSpPr>
         <p:spPr>
           <a:xfrm>
-            <a:off x="1809136" y="1476804"/>
-            <a:ext cx="1791965" cy="369332"/>
+            <a:off x="3065438" y="652679"/>
+            <a:ext cx="1436932" cy="307777"/>
           </a:xfrm>
           <a:prstGeom prst="rect">
             <a:avLst/>
@@ -4999,7 +6386,7 @@
           <a:lstStyle/>
           <a:p>
             <a:r>
-              <a:rPr lang="en-US" dirty="0"/>
+              <a:rPr lang="en-US" sz="1400" dirty="0"/>
               <a:t>Call metering API</a:t>
             </a:r>
           </a:p>
@@ -5049,8 +6436,8 @@
         </p:nvSpPr>
         <p:spPr>
           <a:xfrm>
-            <a:off x="5898240" y="3425064"/>
-            <a:ext cx="1838132" cy="369332"/>
+            <a:off x="6063137" y="3429000"/>
+            <a:ext cx="1470339" cy="307777"/>
           </a:xfrm>
           <a:prstGeom prst="rect">
             <a:avLst/>
@@ -5064,7 +6451,7 @@
           <a:lstStyle/>
           <a:p>
             <a:r>
-              <a:rPr lang="en-US" dirty="0"/>
+              <a:rPr lang="en-US" sz="1400" dirty="0"/>
               <a:t>Option 2: Indirect</a:t>
             </a:r>
           </a:p>
@@ -5221,8 +6608,8 @@
         </p:nvSpPr>
         <p:spPr>
           <a:xfrm>
-            <a:off x="7943481" y="1462542"/>
-            <a:ext cx="1791965" cy="369332"/>
+            <a:off x="6652848" y="652679"/>
+            <a:ext cx="1436932" cy="307777"/>
           </a:xfrm>
           <a:prstGeom prst="rect">
             <a:avLst/>
@@ -5236,7 +6623,7 @@
           <a:lstStyle/>
           <a:p>
             <a:r>
-              <a:rPr lang="en-US" dirty="0"/>
+              <a:rPr lang="en-US" sz="1400" dirty="0"/>
               <a:t>Call metering API</a:t>
             </a:r>
           </a:p>
@@ -5275,6 +6662,139 @@
           </a:fillRef>
           <a:effectRef idx="2">
             <a:schemeClr val="dk1"/>
+          </a:effectRef>
+          <a:fontRef idx="minor">
+            <a:schemeClr val="tx1"/>
+          </a:fontRef>
+        </p:style>
+      </p:cxnSp>
+      <p:sp>
+        <p:nvSpPr>
+          <p:cNvPr id="3" name="Flowchart: Punched Tape 2">
+            <a:extLst>
+              <a:ext uri="{FF2B5EF4-FFF2-40B4-BE49-F238E27FC236}">
+                <a16:creationId xmlns:a16="http://schemas.microsoft.com/office/drawing/2014/main" id="{1A8B4094-0985-44C6-86B0-ED22E4A4CFB7}"/>
+              </a:ext>
+            </a:extLst>
+          </p:cNvPr>
+          <p:cNvSpPr/>
+          <p:nvPr/>
+        </p:nvSpPr>
+        <p:spPr>
+          <a:xfrm rot="16200000">
+            <a:off x="4779119" y="1047964"/>
+            <a:ext cx="319807" cy="277270"/>
+          </a:xfrm>
+          <a:prstGeom prst="flowChartPunchedTape">
+            <a:avLst/>
+          </a:prstGeom>
+          <a:noFill/>
+          <a:ln>
+            <a:solidFill>
+              <a:schemeClr val="tx1"/>
+            </a:solidFill>
+          </a:ln>
+        </p:spPr>
+        <p:style>
+          <a:lnRef idx="2">
+            <a:schemeClr val="accent1">
+              <a:shade val="50000"/>
+            </a:schemeClr>
+          </a:lnRef>
+          <a:fillRef idx="1">
+            <a:schemeClr val="accent1"/>
+          </a:fillRef>
+          <a:effectRef idx="0">
+            <a:schemeClr val="accent1"/>
+          </a:effectRef>
+          <a:fontRef idx="minor">
+            <a:schemeClr val="lt1"/>
+          </a:fontRef>
+        </p:style>
+        <p:txBody>
+          <a:bodyPr rtlCol="0" anchor="ctr"/>
+          <a:lstStyle/>
+          <a:p>
+            <a:pPr algn="ctr"/>
+            <a:endParaRPr lang="en-US"/>
+          </a:p>
+        </p:txBody>
+      </p:sp>
+      <p:sp>
+        <p:nvSpPr>
+          <p:cNvPr id="4" name="TextBox 3">
+            <a:extLst>
+              <a:ext uri="{FF2B5EF4-FFF2-40B4-BE49-F238E27FC236}">
+                <a16:creationId xmlns:a16="http://schemas.microsoft.com/office/drawing/2014/main" id="{8560DB98-07A3-442A-98E4-7C5C277B326A}"/>
+              </a:ext>
+            </a:extLst>
+          </p:cNvPr>
+          <p:cNvSpPr txBox="1"/>
+          <p:nvPr/>
+        </p:nvSpPr>
+        <p:spPr>
+          <a:xfrm>
+            <a:off x="4093159" y="1554875"/>
+            <a:ext cx="1299843" cy="276999"/>
+          </a:xfrm>
+          <a:prstGeom prst="rect">
+            <a:avLst/>
+          </a:prstGeom>
+          <a:noFill/>
+        </p:spPr>
+        <p:txBody>
+          <a:bodyPr wrap="none" rtlCol="0">
+            <a:spAutoFit/>
+          </a:bodyPr>
+          <a:lstStyle/>
+          <a:p>
+            <a:r>
+              <a:rPr lang="en-US" sz="1200" dirty="0"/>
+              <a:t>Access control list</a:t>
+            </a:r>
+          </a:p>
+        </p:txBody>
+      </p:sp>
+      <p:cxnSp>
+        <p:nvCxnSpPr>
+          <p:cNvPr id="8" name="Straight Arrow Connector 7">
+            <a:extLst>
+              <a:ext uri="{FF2B5EF4-FFF2-40B4-BE49-F238E27FC236}">
+                <a16:creationId xmlns:a16="http://schemas.microsoft.com/office/drawing/2014/main" id="{8A8FA476-41D2-48F6-9C4D-7C77D077F078}"/>
+              </a:ext>
+            </a:extLst>
+          </p:cNvPr>
+          <p:cNvCxnSpPr>
+            <a:cxnSpLocks/>
+            <a:stCxn id="4" idx="0"/>
+            <a:endCxn id="3" idx="1"/>
+          </p:cNvCxnSpPr>
+          <p:nvPr/>
+        </p:nvCxnSpPr>
+        <p:spPr>
+          <a:xfrm flipV="1">
+            <a:off x="4743081" y="1346503"/>
+            <a:ext cx="195942" cy="208372"/>
+          </a:xfrm>
+          <a:prstGeom prst="straightConnector1">
+            <a:avLst/>
+          </a:prstGeom>
+          <a:ln>
+            <a:solidFill>
+              <a:schemeClr val="tx1"/>
+            </a:solidFill>
+            <a:tailEnd type="triangle"/>
+          </a:ln>
+        </p:spPr>
+        <p:style>
+          <a:lnRef idx="1">
+            <a:schemeClr val="accent1"/>
+          </a:lnRef>
+          <a:fillRef idx="0">
+            <a:schemeClr val="accent1"/>
+          </a:fillRef>
+          <a:effectRef idx="0">
+            <a:schemeClr val="accent1"/>
           </a:effectRef>
           <a:fontRef idx="minor">
             <a:schemeClr val="tx1"/>
